--- a/Day7-ClassificationAnalysis/Ch07-ClassificationModels.pptx
+++ b/Day7-ClassificationAnalysis/Ch07-ClassificationModels.pptx
@@ -9121,8 +9121,8 @@
         </p:nvSpPr>
         <p:spPr>
           <a:xfrm>
-            <a:off x="1400072" y="3063624"/>
-            <a:ext cx="6343856" cy="3293209"/>
+            <a:off x="1400071" y="3063624"/>
+            <a:ext cx="6777277" cy="1077218"/>
           </a:xfrm>
           <a:prstGeom prst="rect">
             <a:avLst/>
@@ -9258,79 +9258,58 @@
           <a:p>
             <a:r>
               <a:rPr lang="en-US" sz="1600" b="1" dirty="0"/>
-              <a:t>predY = modelNB.predict(testX)</a:t>
-            </a:r>
-          </a:p>
-          <a:p>
+              <a:t>predY = modelNB.predict(</a:t>
+            </a:r>
+            <a:r>
+              <a:rPr lang="en-US" sz="1600" b="1" dirty="0" err="1"/>
+              <a:t>testX</a:t>
+            </a:r>
             <a:r>
               <a:rPr lang="en-US" sz="1600" b="1" dirty="0"/>
-              <a:t>from sklearn.metrics import confusion_matrix</a:t>
-            </a:r>
+              <a:t>)</a:t>
+            </a:r>
+          </a:p>
+          <a:p>
+            <a:endParaRPr lang="en-US" sz="1600" b="1" dirty="0"/>
           </a:p>
           <a:p>
             <a:r>
               <a:rPr lang="en-US" sz="1600" b="1" dirty="0"/>
-              <a:t>cm = confusion_matrix(testY, predY)</a:t>
-            </a:r>
-          </a:p>
-          <a:p>
+              <a:t># </a:t>
+            </a:r>
+            <a:r>
+              <a:rPr lang="en-US" sz="1600" b="1" dirty="0" err="1"/>
+              <a:t>evaluate_predictions</a:t>
+            </a:r>
             <a:r>
               <a:rPr lang="en-US" sz="1600" b="1" dirty="0"/>
-              <a:t>print (cm)</a:t>
-            </a:r>
-          </a:p>
-          <a:p>
+              <a:t> is a helper function we wrote</a:t>
+            </a:r>
+          </a:p>
+          <a:p>
+            <a:r>
+              <a:rPr lang="en-US" sz="1600" b="1" dirty="0" err="1"/>
+              <a:t>evaluate_predictions</a:t>
+            </a:r>
             <a:r>
               <a:rPr lang="en-US" sz="1600" b="1" dirty="0"/>
-              <a:t>def cm_percent(cm, length):    </a:t>
-            </a:r>
-          </a:p>
-          <a:p>
+              <a:t>(</a:t>
+            </a:r>
+            <a:r>
+              <a:rPr lang="en-US" sz="1600" b="1" dirty="0" err="1"/>
+              <a:t>testY</a:t>
+            </a:r>
             <a:r>
               <a:rPr lang="en-US" sz="1600" b="1" dirty="0"/>
-              <a:t>   import numpy as np    </a:t>
-            </a:r>
-          </a:p>
-          <a:p>
+              <a:t>, </a:t>
+            </a:r>
+            <a:r>
+              <a:rPr lang="en-US" sz="1600" b="1" dirty="0" err="1"/>
+              <a:t>predY</a:t>
+            </a:r>
             <a:r>
               <a:rPr lang="en-US" sz="1600" b="1" dirty="0"/>
-              <a:t>   return np.ndarray(shape = (2,2), buffer = \</a:t>
-            </a:r>
-          </a:p>
-          <a:p>
-            <a:r>
-              <a:rPr lang="en-US" sz="1600" b="1" dirty="0"/>
-              <a:t>   np.array([100 *(cm[0][0] + cm[1][1])/length, \</a:t>
-            </a:r>
-          </a:p>
-          <a:p>
-            <a:r>
-              <a:rPr lang="en-US" sz="1600" b="1" dirty="0"/>
-              <a:t>   100 * cm[0][1]/length, 100 * cm[1][0]/length, \</a:t>
-            </a:r>
-          </a:p>
-          <a:p>
-            <a:r>
-              <a:rPr lang="en-US" sz="1600" b="1" dirty="0"/>
-              <a:t>   100 * (cm[1][0] + cm[0][1])/length]))</a:t>
-            </a:r>
-          </a:p>
-          <a:p>
-            <a:r>
-              <a:rPr lang="en-US" sz="1600" b="1" dirty="0"/>
-              <a:t>print (cm_percent(cm, len(testY)))</a:t>
-            </a:r>
-          </a:p>
-          <a:p>
-            <a:r>
-              <a:rPr lang="en-US" sz="1600" b="1" dirty="0"/>
-              <a:t>print (testY.value_counts())</a:t>
-            </a:r>
-          </a:p>
-          <a:p>
-            <a:r>
-              <a:rPr lang="en-US" sz="1600" b="1" dirty="0"/>
-              <a:t>print (len(testY))</a:t>
+              <a:t>)</a:t>
             </a:r>
           </a:p>
         </p:txBody>
@@ -10354,7 +10333,7 @@
         <p:spPr>
           <a:xfrm>
             <a:off x="2327609" y="3166004"/>
-            <a:ext cx="4488782" cy="1569660"/>
+            <a:ext cx="4488782" cy="830997"/>
           </a:xfrm>
           <a:prstGeom prst="rect">
             <a:avLst/>
@@ -10501,26 +10480,28 @@
           </a:p>
           <a:p>
             <a:r>
+              <a:rPr lang="en-US" sz="1600" b="1" dirty="0" err="1"/>
+              <a:t>evaluate_predictions</a:t>
+            </a:r>
+            <a:r>
               <a:rPr lang="en-US" sz="1600" b="1" dirty="0"/>
-              <a:t>cm = confusion_matrix(testY, predY)</a:t>
-            </a:r>
-          </a:p>
-          <a:p>
+              <a:t>(</a:t>
+            </a:r>
+            <a:r>
+              <a:rPr lang="en-US" sz="1600" b="1" dirty="0" err="1"/>
+              <a:t>testY</a:t>
+            </a:r>
             <a:r>
               <a:rPr lang="en-US" sz="1600" b="1" dirty="0"/>
-              <a:t>print (cm)</a:t>
-            </a:r>
-          </a:p>
-          <a:p>
+              <a:t>, </a:t>
+            </a:r>
+            <a:r>
+              <a:rPr lang="en-US" sz="1600" b="1" dirty="0" err="1"/>
+              <a:t>predY</a:t>
+            </a:r>
             <a:r>
               <a:rPr lang="en-US" sz="1600" b="1" dirty="0"/>
-              <a:t>cmp = cm_percent(cm, len(testY))</a:t>
-            </a:r>
-          </a:p>
-          <a:p>
-            <a:r>
-              <a:rPr lang="en-US" sz="1600" b="1" dirty="0"/>
-              <a:t>print (cmp)</a:t>
+              <a:t>)</a:t>
             </a:r>
           </a:p>
         </p:txBody>
@@ -10937,7 +10918,7 @@
         <p:spPr>
           <a:xfrm>
             <a:off x="1078400" y="3081912"/>
-            <a:ext cx="6987201" cy="3293209"/>
+            <a:ext cx="6987201" cy="2308324"/>
           </a:xfrm>
           <a:prstGeom prst="rect">
             <a:avLst/>
@@ -11111,32 +11092,28 @@
           </a:p>
           <a:p>
             <a:r>
+              <a:rPr lang="en-US" sz="1600" b="1" dirty="0" err="1"/>
+              <a:t>evaluate_predictions</a:t>
+            </a:r>
+            <a:r>
               <a:rPr lang="en-US" sz="1600" b="1" dirty="0"/>
-              <a:t>from sklearn.metrics import confusion_matrix</a:t>
-            </a:r>
-          </a:p>
-          <a:p>
+              <a:t>(</a:t>
+            </a:r>
+            <a:r>
+              <a:rPr lang="en-US" sz="1600" b="1" dirty="0" err="1"/>
+              <a:t>testY</a:t>
+            </a:r>
             <a:r>
               <a:rPr lang="en-US" sz="1600" b="1" dirty="0"/>
-              <a:t>cm = confusion_matrix(testY, predY)</a:t>
-            </a:r>
-          </a:p>
-          <a:p>
+              <a:t>, </a:t>
+            </a:r>
+            <a:r>
+              <a:rPr lang="en-US" sz="1600" b="1" dirty="0" err="1"/>
+              <a:t>predY</a:t>
+            </a:r>
             <a:r>
               <a:rPr lang="en-US" sz="1600" b="1" dirty="0"/>
-              <a:t>print (cm)</a:t>
-            </a:r>
-          </a:p>
-          <a:p>
-            <a:r>
-              <a:rPr lang="en-US" sz="1600" b="1" dirty="0"/>
-              <a:t>print (cm_percent(cm, len(testY)))</a:t>
-            </a:r>
-          </a:p>
-          <a:p>
-            <a:r>
-              <a:rPr lang="en-US" sz="1600" b="1" dirty="0"/>
-              <a:t>print (testY.value_counts(), len(testY))</a:t>
+              <a:t>)</a:t>
             </a:r>
           </a:p>
           <a:p>
@@ -12020,7 +11997,7 @@
         <p:spPr>
           <a:xfrm>
             <a:off x="908477" y="3445325"/>
-            <a:ext cx="7327046" cy="2554545"/>
+            <a:ext cx="7327046" cy="1815882"/>
           </a:xfrm>
           <a:prstGeom prst="rect">
             <a:avLst/>
@@ -12161,26 +12138,28 @@
           </a:p>
           <a:p>
             <a:r>
+              <a:rPr lang="en-US" sz="1600" b="1" dirty="0" err="1"/>
+              <a:t>evaluate_predictions</a:t>
+            </a:r>
+            <a:r>
               <a:rPr lang="en-US" sz="1600" b="1" dirty="0"/>
-              <a:t>from sklearn import metrics</a:t>
-            </a:r>
-          </a:p>
-          <a:p>
+              <a:t>(</a:t>
+            </a:r>
+            <a:r>
+              <a:rPr lang="en-US" sz="1600" b="1" dirty="0" err="1"/>
+              <a:t>testY</a:t>
+            </a:r>
             <a:r>
               <a:rPr lang="en-US" sz="1600" b="1" dirty="0"/>
-              <a:t>print ("Accuracy:",metrics.accuracy_score(testY, predY))</a:t>
-            </a:r>
-          </a:p>
-          <a:p>
+              <a:t>, </a:t>
+            </a:r>
+            <a:r>
+              <a:rPr lang="en-US" sz="1600" b="1" dirty="0" err="1"/>
+              <a:t>predY</a:t>
+            </a:r>
             <a:r>
               <a:rPr lang="en-US" sz="1600" b="1" dirty="0"/>
-              <a:t>cm = confusion_matrix(testY, predY)</a:t>
-            </a:r>
-          </a:p>
-          <a:p>
-            <a:r>
-              <a:rPr lang="en-US" sz="1600" b="1" dirty="0"/>
-              <a:t>print (cm)</a:t>
+              <a:t>)</a:t>
             </a:r>
           </a:p>
           <a:p>
@@ -15055,12 +15034,9 @@
             <a:endParaRPr lang="en-US" dirty="0"/>
           </a:p>
           <a:p>
-            <a:endParaRPr lang="en-US" dirty="0"/>
-          </a:p>
-          <a:p>
-            <a:endParaRPr lang="en-US" dirty="0"/>
-          </a:p>
-          <a:p>
+            <a:pPr marL="0" indent="0">
+              <a:buNone/>
+            </a:pPr>
             <a:endParaRPr lang="en-US" dirty="0"/>
           </a:p>
           <a:p>
@@ -15146,7 +15122,7 @@
         <p:spPr>
           <a:xfrm>
             <a:off x="1039162" y="1885398"/>
-            <a:ext cx="7065677" cy="2554545"/>
+            <a:ext cx="7065677" cy="1815882"/>
           </a:xfrm>
           <a:prstGeom prst="rect">
             <a:avLst/>
@@ -15602,7 +15578,7 @@
                 <a:ea typeface="Courier New" charset="0"/>
                 <a:cs typeface="Courier New" charset="0"/>
               </a:rPr>
-              <a:t>   cm = </a:t>
+              <a:t>   </a:t>
             </a:r>
             <a:r>
               <a:rPr lang="de-DE" sz="1600" b="1" dirty="0" err="1">
@@ -15610,7 +15586,7 @@
                 <a:ea typeface="Courier New" charset="0"/>
                 <a:cs typeface="Courier New" charset="0"/>
               </a:rPr>
-              <a:t>confusion_matrix</a:t>
+              <a:t>evaluate_predictions</a:t>
             </a:r>
             <a:r>
               <a:rPr lang="de-DE" sz="1600" b="1" dirty="0">
@@ -15634,197 +15610,7 @@
                 <a:ea typeface="Courier New" charset="0"/>
                 <a:cs typeface="Courier New" charset="0"/>
               </a:rPr>
-              <a:t>, predY1)    </a:t>
-            </a:r>
-          </a:p>
-          <a:p>
-            <a:r>
-              <a:rPr lang="de-DE" sz="1600" b="1" dirty="0">
-                <a:latin typeface="Courier New" charset="0"/>
-                <a:ea typeface="Courier New" charset="0"/>
-                <a:cs typeface="Courier New" charset="0"/>
-              </a:rPr>
-              <a:t>   </a:t>
-            </a:r>
-            <a:r>
-              <a:rPr lang="de-DE" sz="1600" b="1" dirty="0" err="1">
-                <a:latin typeface="Courier New" charset="0"/>
-                <a:ea typeface="Courier New" charset="0"/>
-                <a:cs typeface="Courier New" charset="0"/>
-              </a:rPr>
-              <a:t>print</a:t>
-            </a:r>
-            <a:r>
-              <a:rPr lang="de-DE" sz="1600" b="1" dirty="0">
-                <a:latin typeface="Courier New" charset="0"/>
-                <a:ea typeface="Courier New" charset="0"/>
-                <a:cs typeface="Courier New" charset="0"/>
-              </a:rPr>
-              <a:t> ('\</a:t>
-            </a:r>
-            <a:r>
-              <a:rPr lang="de-DE" sz="1600" b="1" dirty="0" err="1">
-                <a:latin typeface="Courier New" charset="0"/>
-                <a:ea typeface="Courier New" charset="0"/>
-                <a:cs typeface="Courier New" charset="0"/>
-              </a:rPr>
-              <a:t>nTHRESHOLD</a:t>
-            </a:r>
-            <a:r>
-              <a:rPr lang="de-DE" sz="1600" b="1" dirty="0">
-                <a:latin typeface="Courier New" charset="0"/>
-                <a:ea typeface="Courier New" charset="0"/>
-                <a:cs typeface="Courier New" charset="0"/>
-              </a:rPr>
-              <a:t>', </a:t>
-            </a:r>
-            <a:r>
-              <a:rPr lang="de-DE" sz="1600" b="1" dirty="0" err="1">
-                <a:latin typeface="Courier New" charset="0"/>
-                <a:ea typeface="Courier New" charset="0"/>
-                <a:cs typeface="Courier New" charset="0"/>
-              </a:rPr>
-              <a:t>threshold</a:t>
-            </a:r>
-            <a:r>
-              <a:rPr lang="de-DE" sz="1600" b="1" dirty="0">
-                <a:latin typeface="Courier New" charset="0"/>
-                <a:ea typeface="Courier New" charset="0"/>
-                <a:cs typeface="Courier New" charset="0"/>
-              </a:rPr>
-              <a:t>, 'MSE', </a:t>
-            </a:r>
-            <a:r>
-              <a:rPr lang="de-DE" sz="1600" b="1" dirty="0" err="1">
-                <a:latin typeface="Courier New" charset="0"/>
-                <a:ea typeface="Courier New" charset="0"/>
-                <a:cs typeface="Courier New" charset="0"/>
-              </a:rPr>
-              <a:t>mse</a:t>
-            </a:r>
-            <a:r>
-              <a:rPr lang="de-DE" sz="1600" b="1" dirty="0">
-                <a:latin typeface="Courier New" charset="0"/>
-                <a:ea typeface="Courier New" charset="0"/>
-                <a:cs typeface="Courier New" charset="0"/>
-              </a:rPr>
-              <a:t>)</a:t>
-            </a:r>
-          </a:p>
-          <a:p>
-            <a:r>
-              <a:rPr lang="de-DE" sz="1600" b="1" dirty="0">
-                <a:latin typeface="Courier New" charset="0"/>
-                <a:ea typeface="Courier New" charset="0"/>
-                <a:cs typeface="Courier New" charset="0"/>
-              </a:rPr>
-              <a:t>   </a:t>
-            </a:r>
-            <a:r>
-              <a:rPr lang="de-DE" sz="1600" b="1" dirty="0" err="1">
-                <a:latin typeface="Courier New" charset="0"/>
-                <a:ea typeface="Courier New" charset="0"/>
-                <a:cs typeface="Courier New" charset="0"/>
-              </a:rPr>
-              <a:t>print</a:t>
-            </a:r>
-            <a:r>
-              <a:rPr lang="de-DE" sz="1600" b="1" dirty="0">
-                <a:latin typeface="Courier New" charset="0"/>
-                <a:ea typeface="Courier New" charset="0"/>
-                <a:cs typeface="Courier New" charset="0"/>
-              </a:rPr>
-              <a:t> (cm)    </a:t>
-            </a:r>
-          </a:p>
-          <a:p>
-            <a:r>
-              <a:rPr lang="de-DE" sz="1600" b="1" dirty="0">
-                <a:latin typeface="Courier New" charset="0"/>
-                <a:ea typeface="Courier New" charset="0"/>
-                <a:cs typeface="Courier New" charset="0"/>
-              </a:rPr>
-              <a:t>   </a:t>
-            </a:r>
-            <a:r>
-              <a:rPr lang="de-DE" sz="1600" b="1" dirty="0" err="1">
-                <a:latin typeface="Courier New" charset="0"/>
-                <a:ea typeface="Courier New" charset="0"/>
-                <a:cs typeface="Courier New" charset="0"/>
-              </a:rPr>
-              <a:t>print</a:t>
-            </a:r>
-            <a:r>
-              <a:rPr lang="de-DE" sz="1600" b="1" dirty="0">
-                <a:latin typeface="Courier New" charset="0"/>
-                <a:ea typeface="Courier New" charset="0"/>
-                <a:cs typeface="Courier New" charset="0"/>
-              </a:rPr>
-              <a:t> (</a:t>
-            </a:r>
-            <a:r>
-              <a:rPr lang="de-DE" sz="1600" b="1" dirty="0" err="1">
-                <a:latin typeface="Courier New" charset="0"/>
-                <a:ea typeface="Courier New" charset="0"/>
-                <a:cs typeface="Courier New" charset="0"/>
-              </a:rPr>
-              <a:t>cm_percent</a:t>
-            </a:r>
-            <a:r>
-              <a:rPr lang="de-DE" sz="1600" b="1" dirty="0">
-                <a:latin typeface="Courier New" charset="0"/>
-                <a:ea typeface="Courier New" charset="0"/>
-                <a:cs typeface="Courier New" charset="0"/>
-              </a:rPr>
-              <a:t>(cm, </a:t>
-            </a:r>
-            <a:r>
-              <a:rPr lang="de-DE" sz="1600" b="1" dirty="0" err="1">
-                <a:latin typeface="Courier New" charset="0"/>
-                <a:ea typeface="Courier New" charset="0"/>
-                <a:cs typeface="Courier New" charset="0"/>
-              </a:rPr>
-              <a:t>len</a:t>
-            </a:r>
-            <a:r>
-              <a:rPr lang="de-DE" sz="1600" b="1" dirty="0">
-                <a:latin typeface="Courier New" charset="0"/>
-                <a:ea typeface="Courier New" charset="0"/>
-                <a:cs typeface="Courier New" charset="0"/>
-              </a:rPr>
-              <a:t>(</a:t>
-            </a:r>
-            <a:r>
-              <a:rPr lang="de-DE" sz="1600" b="1" dirty="0" err="1">
-                <a:latin typeface="Courier New" charset="0"/>
-                <a:ea typeface="Courier New" charset="0"/>
-                <a:cs typeface="Courier New" charset="0"/>
-              </a:rPr>
-              <a:t>testY</a:t>
-            </a:r>
-            <a:r>
-              <a:rPr lang="de-DE" sz="1600" b="1" dirty="0">
-                <a:latin typeface="Courier New" charset="0"/>
-                <a:ea typeface="Courier New" charset="0"/>
-                <a:cs typeface="Courier New" charset="0"/>
-              </a:rPr>
-              <a:t>), legend = </a:t>
-            </a:r>
-            <a:r>
-              <a:rPr lang="de-DE" sz="1600" b="1" dirty="0" err="1">
-                <a:latin typeface="Courier New" charset="0"/>
-                <a:ea typeface="Courier New" charset="0"/>
-                <a:cs typeface="Courier New" charset="0"/>
-              </a:rPr>
-              <a:t>False</a:t>
-            </a:r>
-            <a:r>
-              <a:rPr lang="de-DE" sz="1600" b="1" dirty="0">
-                <a:latin typeface="Courier New" charset="0"/>
-                <a:ea typeface="Courier New" charset="0"/>
-                <a:cs typeface="Courier New" charset="0"/>
-              </a:rPr>
-              <a:t>))</a:t>
+              <a:t>, predY1)</a:t>
             </a:r>
             <a:endParaRPr lang="en-US" sz="1600" dirty="0">
               <a:latin typeface="Courier New" charset="0"/>
@@ -27616,19 +27402,19 @@
           <a:p>
             <a:r>
               <a:rPr lang="en-US" b="1" dirty="0"/>
-              <a:t>print (df.shape, df.columns)</a:t>
+              <a:t>print(df.shape, df.columns)</a:t>
             </a:r>
           </a:p>
           <a:p>
             <a:r>
               <a:rPr lang="en-US" b="1" dirty="0"/>
-              <a:t>print (df.isFraud.value_counts())</a:t>
+              <a:t>print(df.isFraud.value_counts())</a:t>
             </a:r>
           </a:p>
           <a:p>
             <a:r>
               <a:rPr lang="en-US" b="1" dirty="0"/>
-              <a:t>print (df.type.value_counts())</a:t>
+              <a:t>print(df.type.value_counts())</a:t>
             </a:r>
           </a:p>
           <a:p>
@@ -28179,25 +27965,33 @@
           <a:p>
             <a:r>
               <a:rPr lang="en-US" sz="1600" b="1" dirty="0"/>
-              <a:t>print (testY.value_counts())</a:t>
+              <a:t>print(testY.value_counts())</a:t>
             </a:r>
           </a:p>
           <a:p>
             <a:r>
               <a:rPr lang="en-US" sz="1600" b="1" dirty="0"/>
-              <a:t>print (trainY.value_counts()/trainY.count())</a:t>
+              <a:t>print(trainY.value_counts()/trainY.count())</a:t>
             </a:r>
           </a:p>
           <a:p>
             <a:r>
               <a:rPr lang="en-US" sz="1600" b="1" dirty="0"/>
-              <a:t>print (testY.value_counts()/testY.count())</a:t>
+              <a:t>print(testY.value_counts()/testY.count())</a:t>
             </a:r>
           </a:p>
           <a:p>
             <a:r>
               <a:rPr lang="en-US" sz="1600" b="1" dirty="0"/>
-              <a:t>print (trainX[:10])</a:t>
+              <a:t>print(</a:t>
+            </a:r>
+            <a:r>
+              <a:rPr lang="en-US" sz="1600" b="1" dirty="0" err="1"/>
+              <a:t>trainX.head</a:t>
+            </a:r>
+            <a:r>
+              <a:rPr lang="en-US" sz="1600" b="1" dirty="0"/>
+              <a:t>(10))</a:t>
             </a:r>
             <a:endParaRPr lang="en-US" sz="1600" dirty="0"/>
           </a:p>

--- a/Day7-ClassificationAnalysis/Ch07-ClassificationModels.pptx
+++ b/Day7-ClassificationAnalysis/Ch07-ClassificationModels.pptx
@@ -302,7 +302,7 @@
               <a:rPr lang="en-US" dirty="0">
                 <a:latin typeface="Tahoma" pitchFamily="34" charset="0"/>
               </a:rPr>
-              <a:t>811M: Python for Data Scientists</a:t>
+              <a:t>Python Program</a:t>
             </a:r>
           </a:p>
         </p:txBody>
@@ -824,7 +824,7 @@
                 </a:solidFill>
                 <a:latin typeface="Tahoma" pitchFamily="34" charset="0"/>
               </a:rPr>
-              <a:t>811M: Python for Data Scientists</a:t>
+              <a:t>Python Program</a:t>
             </a:r>
           </a:p>
         </p:txBody>
@@ -2518,7 +2518,12 @@
             <p:ph type="sldImg"/>
           </p:nvPr>
         </p:nvSpPr>
-        <p:spPr/>
+        <p:spPr>
+          <a:xfrm>
+            <a:off x="1189038" y="701675"/>
+            <a:ext cx="4676775" cy="3508375"/>
+          </a:xfrm>
+        </p:spPr>
       </p:sp>
       <p:sp>
         <p:nvSpPr>
@@ -2723,7 +2728,12 @@
             <p:ph type="sldImg"/>
           </p:nvPr>
         </p:nvSpPr>
-        <p:spPr/>
+        <p:spPr>
+          <a:xfrm>
+            <a:off x="1189038" y="701675"/>
+            <a:ext cx="4676775" cy="3508375"/>
+          </a:xfrm>
+        </p:spPr>
       </p:sp>
       <p:sp>
         <p:nvSpPr>
@@ -2784,7 +2794,12 @@
             <p:ph type="sldImg"/>
           </p:nvPr>
         </p:nvSpPr>
-        <p:spPr/>
+        <p:spPr>
+          <a:xfrm>
+            <a:off x="1189038" y="701675"/>
+            <a:ext cx="4676775" cy="3508375"/>
+          </a:xfrm>
+        </p:spPr>
       </p:sp>
       <p:sp>
         <p:nvSpPr>
@@ -7838,7 +7853,7 @@
                 </a:solidFill>
                 <a:latin typeface="Tahoma" charset="0"/>
               </a:rPr>
-              <a:t>© 2019</a:t>
+              <a:t>© 2020</a:t>
             </a:r>
             <a:r>
               <a:rPr lang="en-US" sz="700" b="0" baseline="0" dirty="0">
@@ -8046,7 +8061,7 @@
                 <a:ea typeface="Tahoma" panose="020B0604030504040204" pitchFamily="34" charset="0"/>
                 <a:cs typeface="Tahoma" panose="020B0604030504040204" pitchFamily="34" charset="0"/>
               </a:rPr>
-              <a:t>811M: Python for Data Scientists</a:t>
+              <a:t>Python Program</a:t>
             </a:r>
           </a:p>
         </p:txBody>
@@ -8710,7 +8725,7 @@
           <a:p>
             <a:r>
               <a:rPr lang="en-US" dirty="0"/>
-              <a:t>Python for Data Scientists</a:t>
+              <a:t>Python Program</a:t>
             </a:r>
           </a:p>
         </p:txBody>
@@ -9258,58 +9273,22 @@
           <a:p>
             <a:r>
               <a:rPr lang="en-US" sz="1600" b="1" dirty="0"/>
-              <a:t>predY = modelNB.predict(</a:t>
-            </a:r>
-            <a:r>
-              <a:rPr lang="en-US" sz="1600" b="1" dirty="0" err="1"/>
-              <a:t>testX</a:t>
-            </a:r>
+              <a:t>predY = modelNB.predict(testX)</a:t>
+            </a:r>
+          </a:p>
+          <a:p>
+            <a:endParaRPr lang="en-US" sz="1600" b="1" dirty="0"/>
+          </a:p>
+          <a:p>
             <a:r>
               <a:rPr lang="en-US" sz="1600" b="1" dirty="0"/>
-              <a:t>)</a:t>
-            </a:r>
-          </a:p>
-          <a:p>
-            <a:endParaRPr lang="en-US" sz="1600" b="1" dirty="0"/>
+              <a:t># evaluate_predictions is a helper function we wrote</a:t>
+            </a:r>
           </a:p>
           <a:p>
             <a:r>
               <a:rPr lang="en-US" sz="1600" b="1" dirty="0"/>
-              <a:t># </a:t>
-            </a:r>
-            <a:r>
-              <a:rPr lang="en-US" sz="1600" b="1" dirty="0" err="1"/>
-              <a:t>evaluate_predictions</a:t>
-            </a:r>
-            <a:r>
-              <a:rPr lang="en-US" sz="1600" b="1" dirty="0"/>
-              <a:t> is a helper function we wrote</a:t>
-            </a:r>
-          </a:p>
-          <a:p>
-            <a:r>
-              <a:rPr lang="en-US" sz="1600" b="1" dirty="0" err="1"/>
-              <a:t>evaluate_predictions</a:t>
-            </a:r>
-            <a:r>
-              <a:rPr lang="en-US" sz="1600" b="1" dirty="0"/>
-              <a:t>(</a:t>
-            </a:r>
-            <a:r>
-              <a:rPr lang="en-US" sz="1600" b="1" dirty="0" err="1"/>
-              <a:t>testY</a:t>
-            </a:r>
-            <a:r>
-              <a:rPr lang="en-US" sz="1600" b="1" dirty="0"/>
-              <a:t>, </a:t>
-            </a:r>
-            <a:r>
-              <a:rPr lang="en-US" sz="1600" b="1" dirty="0" err="1"/>
-              <a:t>predY</a:t>
-            </a:r>
-            <a:r>
-              <a:rPr lang="en-US" sz="1600" b="1" dirty="0"/>
-              <a:t>)</a:t>
+              <a:t>evaluate_predictions(testY, predY)</a:t>
             </a:r>
           </a:p>
         </p:txBody>
@@ -10480,28 +10459,8 @@
           </a:p>
           <a:p>
             <a:r>
-              <a:rPr lang="en-US" sz="1600" b="1" dirty="0" err="1"/>
-              <a:t>evaluate_predictions</a:t>
-            </a:r>
-            <a:r>
               <a:rPr lang="en-US" sz="1600" b="1" dirty="0"/>
-              <a:t>(</a:t>
-            </a:r>
-            <a:r>
-              <a:rPr lang="en-US" sz="1600" b="1" dirty="0" err="1"/>
-              <a:t>testY</a:t>
-            </a:r>
-            <a:r>
-              <a:rPr lang="en-US" sz="1600" b="1" dirty="0"/>
-              <a:t>, </a:t>
-            </a:r>
-            <a:r>
-              <a:rPr lang="en-US" sz="1600" b="1" dirty="0" err="1"/>
-              <a:t>predY</a:t>
-            </a:r>
-            <a:r>
-              <a:rPr lang="en-US" sz="1600" b="1" dirty="0"/>
-              <a:t>)</a:t>
+              <a:t>evaluate_predictions(testY, predY)</a:t>
             </a:r>
           </a:p>
         </p:txBody>
@@ -11092,28 +11051,8 @@
           </a:p>
           <a:p>
             <a:r>
-              <a:rPr lang="en-US" sz="1600" b="1" dirty="0" err="1"/>
-              <a:t>evaluate_predictions</a:t>
-            </a:r>
-            <a:r>
               <a:rPr lang="en-US" sz="1600" b="1" dirty="0"/>
-              <a:t>(</a:t>
-            </a:r>
-            <a:r>
-              <a:rPr lang="en-US" sz="1600" b="1" dirty="0" err="1"/>
-              <a:t>testY</a:t>
-            </a:r>
-            <a:r>
-              <a:rPr lang="en-US" sz="1600" b="1" dirty="0"/>
-              <a:t>, </a:t>
-            </a:r>
-            <a:r>
-              <a:rPr lang="en-US" sz="1600" b="1" dirty="0" err="1"/>
-              <a:t>predY</a:t>
-            </a:r>
-            <a:r>
-              <a:rPr lang="en-US" sz="1600" b="1" dirty="0"/>
-              <a:t>)</a:t>
+              <a:t>evaluate_predictions(testY, predY)</a:t>
             </a:r>
           </a:p>
           <a:p>
@@ -12138,28 +12077,8 @@
           </a:p>
           <a:p>
             <a:r>
-              <a:rPr lang="en-US" sz="1600" b="1" dirty="0" err="1"/>
-              <a:t>evaluate_predictions</a:t>
-            </a:r>
-            <a:r>
               <a:rPr lang="en-US" sz="1600" b="1" dirty="0"/>
-              <a:t>(</a:t>
-            </a:r>
-            <a:r>
-              <a:rPr lang="en-US" sz="1600" b="1" dirty="0" err="1"/>
-              <a:t>testY</a:t>
-            </a:r>
-            <a:r>
-              <a:rPr lang="en-US" sz="1600" b="1" dirty="0"/>
-              <a:t>, </a:t>
-            </a:r>
-            <a:r>
-              <a:rPr lang="en-US" sz="1600" b="1" dirty="0" err="1"/>
-              <a:t>predY</a:t>
-            </a:r>
-            <a:r>
-              <a:rPr lang="en-US" sz="1600" b="1" dirty="0"/>
-              <a:t>)</a:t>
+              <a:t>evaluate_predictions(testY, predY)</a:t>
             </a:r>
           </a:p>
           <a:p>
@@ -27965,7 +27884,15 @@
           <a:p>
             <a:r>
               <a:rPr lang="en-US" sz="1600" b="1" dirty="0"/>
-              <a:t>print(testY.value_counts())</a:t>
+              <a:t>print(</a:t>
+            </a:r>
+            <a:r>
+              <a:rPr lang="en-US" sz="1600" b="1" dirty="0" err="1"/>
+              <a:t>testY.value_counts</a:t>
+            </a:r>
+            <a:r>
+              <a:rPr lang="en-US" sz="1600" b="1" dirty="0"/>
+              <a:t>())</a:t>
             </a:r>
           </a:p>
           <a:p>
@@ -27977,21 +27904,29 @@
           <a:p>
             <a:r>
               <a:rPr lang="en-US" sz="1600" b="1" dirty="0"/>
-              <a:t>print(testY.value_counts()/testY.count())</a:t>
-            </a:r>
-          </a:p>
-          <a:p>
+              <a:t>print(</a:t>
+            </a:r>
+            <a:r>
+              <a:rPr lang="en-US" sz="1600" b="1" dirty="0" err="1"/>
+              <a:t>testY.value_counts</a:t>
+            </a:r>
             <a:r>
               <a:rPr lang="en-US" sz="1600" b="1" dirty="0"/>
-              <a:t>print(</a:t>
+              <a:t>()/</a:t>
             </a:r>
             <a:r>
               <a:rPr lang="en-US" sz="1600" b="1" dirty="0" err="1"/>
-              <a:t>trainX.head</a:t>
+              <a:t>testY.count</a:t>
             </a:r>
             <a:r>
               <a:rPr lang="en-US" sz="1600" b="1" dirty="0"/>
-              <a:t>(10))</a:t>
+              <a:t>())</a:t>
+            </a:r>
+          </a:p>
+          <a:p>
+            <a:r>
+              <a:rPr lang="en-US" sz="1600" b="1" dirty="0"/>
+              <a:t>print(trainX.head(10))</a:t>
             </a:r>
             <a:endParaRPr lang="en-US" sz="1600" dirty="0"/>
           </a:p>
